--- a/SecondTry Präsentation.pptx
+++ b/SecondTry Präsentation.pptx
@@ -5,15 +5,28 @@
     <p:sldMasterId id="2147483684" r:id="rId1"/>
   </p:sldMasterIdLst>
   <p:notesMasterIdLst>
-    <p:notesMasterId r:id="rId8"/>
+    <p:notesMasterId r:id="rId21"/>
   </p:notesMasterIdLst>
   <p:sldIdLst>
     <p:sldId id="256" r:id="rId2"/>
     <p:sldId id="261" r:id="rId3"/>
-    <p:sldId id="257" r:id="rId4"/>
-    <p:sldId id="259" r:id="rId5"/>
-    <p:sldId id="258" r:id="rId6"/>
-    <p:sldId id="260" r:id="rId7"/>
+    <p:sldId id="271" r:id="rId4"/>
+    <p:sldId id="257" r:id="rId5"/>
+    <p:sldId id="263" r:id="rId6"/>
+    <p:sldId id="264" r:id="rId7"/>
+    <p:sldId id="265" r:id="rId8"/>
+    <p:sldId id="266" r:id="rId9"/>
+    <p:sldId id="259" r:id="rId10"/>
+    <p:sldId id="272" r:id="rId11"/>
+    <p:sldId id="274" r:id="rId12"/>
+    <p:sldId id="273" r:id="rId13"/>
+    <p:sldId id="258" r:id="rId14"/>
+    <p:sldId id="267" r:id="rId15"/>
+    <p:sldId id="268" r:id="rId16"/>
+    <p:sldId id="269" r:id="rId17"/>
+    <p:sldId id="262" r:id="rId18"/>
+    <p:sldId id="270" r:id="rId19"/>
+    <p:sldId id="260" r:id="rId20"/>
   </p:sldIdLst>
   <p:sldSz cx="12192000" cy="6858000"/>
   <p:notesSz cx="6858000" cy="9144000"/>
@@ -112,6 +125,11 @@
       </a:defRPr>
     </a:lvl9pPr>
   </p:defaultTextStyle>
+  <p:extLst>
+    <p:ext uri="{EFAFB233-063F-42B5-8137-9DF3F51BA10A}">
+      <p15:sldGuideLst xmlns:p15="http://schemas.microsoft.com/office/powerpoint/2012/main"/>
+    </p:ext>
+  </p:extLst>
 </p:presentation>
 </file>
 
@@ -197,7 +215,7 @@
           <a:p>
             <a:fld id="{EB0278DC-7F3B-498E-AD50-70AA09093A2D}" type="datetimeFigureOut">
               <a:rPr lang="de-DE" smtClean="0"/>
-              <a:t>21.06.2017</a:t>
+              <a:t>29.06.2017</a:t>
             </a:fld>
             <a:endParaRPr lang="de-DE"/>
           </a:p>
@@ -530,7 +548,7 @@
           <a:p>
             <a:fld id="{B4152ADA-5A84-44F8-8BC5-119FF12823A8}" type="slidenum">
               <a:rPr lang="de-DE" smtClean="0"/>
-              <a:t>6</a:t>
+              <a:t>19</a:t>
             </a:fld>
             <a:endParaRPr lang="de-DE"/>
           </a:p>
@@ -880,7 +898,7 @@
           <a:p>
             <a:fld id="{A28019ED-8C66-4AB2-BDAC-B276B363C6D0}" type="datetimeFigureOut">
               <a:rPr lang="de-DE" smtClean="0"/>
-              <a:t>21.06.2017</a:t>
+              <a:t>29.06.2017</a:t>
             </a:fld>
             <a:endParaRPr lang="de-DE"/>
           </a:p>
@@ -1204,7 +1222,7 @@
           <a:p>
             <a:fld id="{A28019ED-8C66-4AB2-BDAC-B276B363C6D0}" type="datetimeFigureOut">
               <a:rPr lang="de-DE" smtClean="0"/>
-              <a:t>21.06.2017</a:t>
+              <a:t>29.06.2017</a:t>
             </a:fld>
             <a:endParaRPr lang="de-DE"/>
           </a:p>
@@ -1452,7 +1470,7 @@
           <a:p>
             <a:fld id="{A28019ED-8C66-4AB2-BDAC-B276B363C6D0}" type="datetimeFigureOut">
               <a:rPr lang="de-DE" smtClean="0"/>
-              <a:t>21.06.2017</a:t>
+              <a:t>29.06.2017</a:t>
             </a:fld>
             <a:endParaRPr lang="de-DE"/>
           </a:p>
@@ -1791,7 +1809,7 @@
           <a:p>
             <a:fld id="{A28019ED-8C66-4AB2-BDAC-B276B363C6D0}" type="datetimeFigureOut">
               <a:rPr lang="de-DE" smtClean="0"/>
-              <a:t>21.06.2017</a:t>
+              <a:t>29.06.2017</a:t>
             </a:fld>
             <a:endParaRPr lang="de-DE"/>
           </a:p>
@@ -2138,7 +2156,7 @@
           <a:p>
             <a:fld id="{A28019ED-8C66-4AB2-BDAC-B276B363C6D0}" type="datetimeFigureOut">
               <a:rPr lang="de-DE" smtClean="0"/>
-              <a:t>21.06.2017</a:t>
+              <a:t>29.06.2017</a:t>
             </a:fld>
             <a:endParaRPr lang="de-DE"/>
           </a:p>
@@ -2512,7 +2530,7 @@
           <a:p>
             <a:fld id="{A28019ED-8C66-4AB2-BDAC-B276B363C6D0}" type="datetimeFigureOut">
               <a:rPr lang="de-DE" smtClean="0"/>
-              <a:t>21.06.2017</a:t>
+              <a:t>29.06.2017</a:t>
             </a:fld>
             <a:endParaRPr lang="de-DE"/>
           </a:p>
@@ -2982,7 +3000,7 @@
           <a:p>
             <a:fld id="{A28019ED-8C66-4AB2-BDAC-B276B363C6D0}" type="datetimeFigureOut">
               <a:rPr lang="de-DE" smtClean="0"/>
-              <a:t>21.06.2017</a:t>
+              <a:t>29.06.2017</a:t>
             </a:fld>
             <a:endParaRPr lang="de-DE"/>
           </a:p>
@@ -3187,7 +3205,7 @@
           <a:p>
             <a:fld id="{A28019ED-8C66-4AB2-BDAC-B276B363C6D0}" type="datetimeFigureOut">
               <a:rPr lang="de-DE" smtClean="0"/>
-              <a:t>21.06.2017</a:t>
+              <a:t>29.06.2017</a:t>
             </a:fld>
             <a:endParaRPr lang="de-DE"/>
           </a:p>
@@ -3398,7 +3416,7 @@
           <a:p>
             <a:fld id="{A28019ED-8C66-4AB2-BDAC-B276B363C6D0}" type="datetimeFigureOut">
               <a:rPr lang="de-DE" smtClean="0"/>
-              <a:t>21.06.2017</a:t>
+              <a:t>29.06.2017</a:t>
             </a:fld>
             <a:endParaRPr lang="de-DE"/>
           </a:p>
@@ -3630,7 +3648,7 @@
           <a:p>
             <a:fld id="{A28019ED-8C66-4AB2-BDAC-B276B363C6D0}" type="datetimeFigureOut">
               <a:rPr lang="de-DE" smtClean="0"/>
-              <a:t>21.06.2017</a:t>
+              <a:t>29.06.2017</a:t>
             </a:fld>
             <a:endParaRPr lang="de-DE"/>
           </a:p>
@@ -3878,7 +3896,7 @@
           <a:p>
             <a:fld id="{A28019ED-8C66-4AB2-BDAC-B276B363C6D0}" type="datetimeFigureOut">
               <a:rPr lang="de-DE" smtClean="0"/>
-              <a:t>21.06.2017</a:t>
+              <a:t>29.06.2017</a:t>
             </a:fld>
             <a:endParaRPr lang="de-DE"/>
           </a:p>
@@ -4176,7 +4194,7 @@
           <a:p>
             <a:fld id="{A28019ED-8C66-4AB2-BDAC-B276B363C6D0}" type="datetimeFigureOut">
               <a:rPr lang="de-DE" smtClean="0"/>
-              <a:t>21.06.2017</a:t>
+              <a:t>29.06.2017</a:t>
             </a:fld>
             <a:endParaRPr lang="de-DE"/>
           </a:p>
@@ -4570,7 +4588,7 @@
           <a:p>
             <a:fld id="{A28019ED-8C66-4AB2-BDAC-B276B363C6D0}" type="datetimeFigureOut">
               <a:rPr lang="de-DE" smtClean="0"/>
-              <a:t>21.06.2017</a:t>
+              <a:t>29.06.2017</a:t>
             </a:fld>
             <a:endParaRPr lang="de-DE"/>
           </a:p>
@@ -4719,7 +4737,7 @@
           <a:p>
             <a:fld id="{A28019ED-8C66-4AB2-BDAC-B276B363C6D0}" type="datetimeFigureOut">
               <a:rPr lang="de-DE" smtClean="0"/>
-              <a:t>21.06.2017</a:t>
+              <a:t>29.06.2017</a:t>
             </a:fld>
             <a:endParaRPr lang="de-DE"/>
           </a:p>
@@ -4845,7 +4863,7 @@
           <a:p>
             <a:fld id="{A28019ED-8C66-4AB2-BDAC-B276B363C6D0}" type="datetimeFigureOut">
               <a:rPr lang="de-DE" smtClean="0"/>
-              <a:t>21.06.2017</a:t>
+              <a:t>29.06.2017</a:t>
             </a:fld>
             <a:endParaRPr lang="de-DE"/>
           </a:p>
@@ -5100,7 +5118,7 @@
           <a:p>
             <a:fld id="{A28019ED-8C66-4AB2-BDAC-B276B363C6D0}" type="datetimeFigureOut">
               <a:rPr lang="de-DE" smtClean="0"/>
-              <a:t>21.06.2017</a:t>
+              <a:t>29.06.2017</a:t>
             </a:fld>
             <a:endParaRPr lang="de-DE"/>
           </a:p>
@@ -5415,7 +5433,7 @@
           <a:p>
             <a:fld id="{A28019ED-8C66-4AB2-BDAC-B276B363C6D0}" type="datetimeFigureOut">
               <a:rPr lang="de-DE" smtClean="0"/>
-              <a:t>21.06.2017</a:t>
+              <a:t>29.06.2017</a:t>
             </a:fld>
             <a:endParaRPr lang="de-DE"/>
           </a:p>
@@ -5766,7 +5784,7 @@
           <a:p>
             <a:fld id="{A28019ED-8C66-4AB2-BDAC-B276B363C6D0}" type="datetimeFigureOut">
               <a:rPr lang="de-DE" smtClean="0"/>
-              <a:t>21.06.2017</a:t>
+              <a:t>29.06.2017</a:t>
             </a:fld>
             <a:endParaRPr lang="de-DE"/>
           </a:p>
@@ -6378,6 +6396,964 @@
   <p:clrMapOvr>
     <a:masterClrMapping/>
   </p:clrMapOvr>
+  <p:timing>
+    <p:tnLst>
+      <p:par>
+        <p:cTn id="1" dur="indefinite" restart="never" nodeType="tmRoot"/>
+      </p:par>
+    </p:tnLst>
+  </p:timing>
+</p:sld>
+</file>
+
+<file path=ppt/slides/slide10.xml><?xml version="1.0" encoding="utf-8"?>
+<p:sld xmlns:a="http://schemas.openxmlformats.org/drawingml/2006/main" xmlns:r="http://schemas.openxmlformats.org/officeDocument/2006/relationships" xmlns:p="http://schemas.openxmlformats.org/presentationml/2006/main">
+  <p:cSld>
+    <p:spTree>
+      <p:nvGrpSpPr>
+        <p:cNvPr id="1" name=""/>
+        <p:cNvGrpSpPr/>
+        <p:nvPr/>
+      </p:nvGrpSpPr>
+      <p:grpSpPr>
+        <a:xfrm>
+          <a:off x="0" y="0"/>
+          <a:ext cx="0" cy="0"/>
+          <a:chOff x="0" y="0"/>
+          <a:chExt cx="0" cy="0"/>
+        </a:xfrm>
+      </p:grpSpPr>
+      <p:sp>
+        <p:nvSpPr>
+          <p:cNvPr id="2" name="Titel 1"/>
+          <p:cNvSpPr>
+            <a:spLocks noGrp="1"/>
+          </p:cNvSpPr>
+          <p:nvPr>
+            <p:ph type="title"/>
+          </p:nvPr>
+        </p:nvSpPr>
+        <p:spPr/>
+        <p:txBody>
+          <a:bodyPr/>
+          <a:lstStyle/>
+          <a:p>
+            <a:r>
+              <a:rPr lang="de-DE" dirty="0" smtClean="0"/>
+              <a:t>Server</a:t>
+            </a:r>
+            <a:endParaRPr lang="de-DE" dirty="0"/>
+          </a:p>
+        </p:txBody>
+      </p:sp>
+      <p:pic>
+        <p:nvPicPr>
+          <p:cNvPr id="6" name="Inhaltsplatzhalter 5"/>
+          <p:cNvPicPr>
+            <a:picLocks noGrp="1" noChangeAspect="1"/>
+          </p:cNvPicPr>
+          <p:nvPr>
+            <p:ph idx="1"/>
+          </p:nvPr>
+        </p:nvPicPr>
+        <p:blipFill>
+          <a:blip r:embed="rId2">
+            <a:extLst>
+              <a:ext uri="{28A0092B-C50C-407E-A947-70E740481C1C}">
+                <a14:useLocalDpi xmlns:a14="http://schemas.microsoft.com/office/drawing/2010/main" val="0"/>
+              </a:ext>
+            </a:extLst>
+          </a:blip>
+          <a:stretch>
+            <a:fillRect/>
+          </a:stretch>
+        </p:blipFill>
+        <p:spPr>
+          <a:xfrm>
+            <a:off x="1396764" y="2528761"/>
+            <a:ext cx="6449325" cy="2419688"/>
+          </a:xfrm>
+        </p:spPr>
+      </p:pic>
+    </p:spTree>
+    <p:extLst>
+      <p:ext uri="{BB962C8B-B14F-4D97-AF65-F5344CB8AC3E}">
+        <p14:creationId xmlns:p14="http://schemas.microsoft.com/office/powerpoint/2010/main" val="1676047269"/>
+      </p:ext>
+    </p:extLst>
+  </p:cSld>
+  <p:clrMapOvr>
+    <a:masterClrMapping/>
+  </p:clrMapOvr>
+  <p:timing>
+    <p:tnLst>
+      <p:par>
+        <p:cTn id="1" dur="indefinite" restart="never" nodeType="tmRoot"/>
+      </p:par>
+    </p:tnLst>
+  </p:timing>
+</p:sld>
+</file>
+
+<file path=ppt/slides/slide11.xml><?xml version="1.0" encoding="utf-8"?>
+<p:sld xmlns:a="http://schemas.openxmlformats.org/drawingml/2006/main" xmlns:r="http://schemas.openxmlformats.org/officeDocument/2006/relationships" xmlns:p="http://schemas.openxmlformats.org/presentationml/2006/main">
+  <p:cSld>
+    <p:spTree>
+      <p:nvGrpSpPr>
+        <p:cNvPr id="1" name=""/>
+        <p:cNvGrpSpPr/>
+        <p:nvPr/>
+      </p:nvGrpSpPr>
+      <p:grpSpPr>
+        <a:xfrm>
+          <a:off x="0" y="0"/>
+          <a:ext cx="0" cy="0"/>
+          <a:chOff x="0" y="0"/>
+          <a:chExt cx="0" cy="0"/>
+        </a:xfrm>
+      </p:grpSpPr>
+      <p:sp>
+        <p:nvSpPr>
+          <p:cNvPr id="2" name="Titel 1"/>
+          <p:cNvSpPr>
+            <a:spLocks noGrp="1"/>
+          </p:cNvSpPr>
+          <p:nvPr>
+            <p:ph type="title"/>
+          </p:nvPr>
+        </p:nvSpPr>
+        <p:spPr/>
+        <p:txBody>
+          <a:bodyPr/>
+          <a:lstStyle/>
+          <a:p>
+            <a:r>
+              <a:rPr lang="de-DE" dirty="0" smtClean="0"/>
+              <a:t>Server</a:t>
+            </a:r>
+            <a:endParaRPr lang="de-DE" dirty="0"/>
+          </a:p>
+        </p:txBody>
+      </p:sp>
+      <p:pic>
+        <p:nvPicPr>
+          <p:cNvPr id="4" name="Inhaltsplatzhalter 3"/>
+          <p:cNvPicPr>
+            <a:picLocks noGrp="1" noChangeAspect="1"/>
+          </p:cNvPicPr>
+          <p:nvPr>
+            <p:ph idx="1"/>
+          </p:nvPr>
+        </p:nvPicPr>
+        <p:blipFill>
+          <a:blip r:embed="rId2">
+            <a:extLst>
+              <a:ext uri="{28A0092B-C50C-407E-A947-70E740481C1C}">
+                <a14:useLocalDpi xmlns:a14="http://schemas.microsoft.com/office/drawing/2010/main" val="0"/>
+              </a:ext>
+            </a:extLst>
+          </a:blip>
+          <a:stretch>
+            <a:fillRect/>
+          </a:stretch>
+        </p:blipFill>
+        <p:spPr>
+          <a:xfrm>
+            <a:off x="1409107" y="2540987"/>
+            <a:ext cx="7658738" cy="3620916"/>
+          </a:xfrm>
+        </p:spPr>
+      </p:pic>
+    </p:spTree>
+    <p:extLst>
+      <p:ext uri="{BB962C8B-B14F-4D97-AF65-F5344CB8AC3E}">
+        <p14:creationId xmlns:p14="http://schemas.microsoft.com/office/powerpoint/2010/main" val="3730511984"/>
+      </p:ext>
+    </p:extLst>
+  </p:cSld>
+  <p:clrMapOvr>
+    <a:masterClrMapping/>
+  </p:clrMapOvr>
+  <p:timing>
+    <p:tnLst>
+      <p:par>
+        <p:cTn id="1" dur="indefinite" restart="never" nodeType="tmRoot"/>
+      </p:par>
+    </p:tnLst>
+  </p:timing>
+</p:sld>
+</file>
+
+<file path=ppt/slides/slide12.xml><?xml version="1.0" encoding="utf-8"?>
+<p:sld xmlns:a="http://schemas.openxmlformats.org/drawingml/2006/main" xmlns:r="http://schemas.openxmlformats.org/officeDocument/2006/relationships" xmlns:p="http://schemas.openxmlformats.org/presentationml/2006/main">
+  <p:cSld>
+    <p:spTree>
+      <p:nvGrpSpPr>
+        <p:cNvPr id="1" name=""/>
+        <p:cNvGrpSpPr/>
+        <p:nvPr/>
+      </p:nvGrpSpPr>
+      <p:grpSpPr>
+        <a:xfrm>
+          <a:off x="0" y="0"/>
+          <a:ext cx="0" cy="0"/>
+          <a:chOff x="0" y="0"/>
+          <a:chExt cx="0" cy="0"/>
+        </a:xfrm>
+      </p:grpSpPr>
+      <p:sp>
+        <p:nvSpPr>
+          <p:cNvPr id="2" name="Titel 1"/>
+          <p:cNvSpPr>
+            <a:spLocks noGrp="1"/>
+          </p:cNvSpPr>
+          <p:nvPr>
+            <p:ph type="title"/>
+          </p:nvPr>
+        </p:nvSpPr>
+        <p:spPr/>
+        <p:txBody>
+          <a:bodyPr/>
+          <a:lstStyle/>
+          <a:p>
+            <a:r>
+              <a:rPr lang="de-DE" dirty="0" smtClean="0"/>
+              <a:t>Server</a:t>
+            </a:r>
+            <a:endParaRPr lang="de-DE" dirty="0"/>
+          </a:p>
+        </p:txBody>
+      </p:sp>
+      <p:pic>
+        <p:nvPicPr>
+          <p:cNvPr id="4" name="Inhaltsplatzhalter 3"/>
+          <p:cNvPicPr>
+            <a:picLocks noGrp="1" noChangeAspect="1"/>
+          </p:cNvPicPr>
+          <p:nvPr>
+            <p:ph idx="1"/>
+          </p:nvPr>
+        </p:nvPicPr>
+        <p:blipFill>
+          <a:blip r:embed="rId2">
+            <a:extLst>
+              <a:ext uri="{28A0092B-C50C-407E-A947-70E740481C1C}">
+                <a14:useLocalDpi xmlns:a14="http://schemas.microsoft.com/office/drawing/2010/main" val="0"/>
+              </a:ext>
+            </a:extLst>
+          </a:blip>
+          <a:stretch>
+            <a:fillRect/>
+          </a:stretch>
+        </p:blipFill>
+        <p:spPr>
+          <a:xfrm>
+            <a:off x="1414133" y="2557463"/>
+            <a:ext cx="5607279" cy="3317875"/>
+          </a:xfrm>
+        </p:spPr>
+      </p:pic>
+    </p:spTree>
+    <p:extLst>
+      <p:ext uri="{BB962C8B-B14F-4D97-AF65-F5344CB8AC3E}">
+        <p14:creationId xmlns:p14="http://schemas.microsoft.com/office/powerpoint/2010/main" val="185222228"/>
+      </p:ext>
+    </p:extLst>
+  </p:cSld>
+  <p:clrMapOvr>
+    <a:masterClrMapping/>
+  </p:clrMapOvr>
+  <p:timing>
+    <p:tnLst>
+      <p:par>
+        <p:cTn id="1" dur="indefinite" restart="never" nodeType="tmRoot"/>
+      </p:par>
+    </p:tnLst>
+  </p:timing>
+</p:sld>
+</file>
+
+<file path=ppt/slides/slide13.xml><?xml version="1.0" encoding="utf-8"?>
+<p:sld xmlns:a="http://schemas.openxmlformats.org/drawingml/2006/main" xmlns:r="http://schemas.openxmlformats.org/officeDocument/2006/relationships" xmlns:p="http://schemas.openxmlformats.org/presentationml/2006/main">
+  <p:cSld>
+    <p:spTree>
+      <p:nvGrpSpPr>
+        <p:cNvPr id="1" name=""/>
+        <p:cNvGrpSpPr/>
+        <p:nvPr/>
+      </p:nvGrpSpPr>
+      <p:grpSpPr>
+        <a:xfrm>
+          <a:off x="0" y="0"/>
+          <a:ext cx="0" cy="0"/>
+          <a:chOff x="0" y="0"/>
+          <a:chExt cx="0" cy="0"/>
+        </a:xfrm>
+      </p:grpSpPr>
+      <p:sp>
+        <p:nvSpPr>
+          <p:cNvPr id="2" name="Titel 1"/>
+          <p:cNvSpPr>
+            <a:spLocks noGrp="1"/>
+          </p:cNvSpPr>
+          <p:nvPr>
+            <p:ph type="title"/>
+          </p:nvPr>
+        </p:nvSpPr>
+        <p:spPr/>
+        <p:txBody>
+          <a:bodyPr/>
+          <a:lstStyle/>
+          <a:p>
+            <a:r>
+              <a:rPr lang="de-DE" dirty="0" smtClean="0"/>
+              <a:t>Client</a:t>
+            </a:r>
+            <a:endParaRPr lang="de-DE" dirty="0"/>
+          </a:p>
+        </p:txBody>
+      </p:sp>
+      <p:sp>
+        <p:nvSpPr>
+          <p:cNvPr id="3" name="Inhaltsplatzhalter 2"/>
+          <p:cNvSpPr>
+            <a:spLocks noGrp="1"/>
+          </p:cNvSpPr>
+          <p:nvPr>
+            <p:ph idx="1"/>
+          </p:nvPr>
+        </p:nvSpPr>
+        <p:spPr/>
+        <p:txBody>
+          <a:bodyPr/>
+          <a:lstStyle/>
+          <a:p>
+            <a:r>
+              <a:rPr lang="de-DE" dirty="0" smtClean="0"/>
+              <a:t>IP-Adresse des Servers eingeben zum Verbinden</a:t>
+            </a:r>
+          </a:p>
+          <a:p>
+            <a:r>
+              <a:rPr lang="de-DE" dirty="0" smtClean="0"/>
+              <a:t>Neuer Client wird automatisch erstellt</a:t>
+            </a:r>
+          </a:p>
+          <a:p>
+            <a:r>
+              <a:rPr lang="de-DE" dirty="0" smtClean="0"/>
+              <a:t>Thread zum Empfangen von Nachrichten des Servers</a:t>
+            </a:r>
+          </a:p>
+          <a:p>
+            <a:r>
+              <a:rPr lang="de-DE" dirty="0" smtClean="0"/>
+              <a:t>Gesetzte Chips werden in ein Array eingetragen</a:t>
+            </a:r>
+          </a:p>
+        </p:txBody>
+      </p:sp>
+    </p:spTree>
+    <p:extLst>
+      <p:ext uri="{BB962C8B-B14F-4D97-AF65-F5344CB8AC3E}">
+        <p14:creationId xmlns:p14="http://schemas.microsoft.com/office/powerpoint/2010/main" val="3312068503"/>
+      </p:ext>
+    </p:extLst>
+  </p:cSld>
+  <p:clrMapOvr>
+    <a:masterClrMapping/>
+  </p:clrMapOvr>
+  <p:timing>
+    <p:tnLst>
+      <p:par>
+        <p:cTn id="1" dur="indefinite" restart="never" nodeType="tmRoot"/>
+      </p:par>
+    </p:tnLst>
+  </p:timing>
+</p:sld>
+</file>
+
+<file path=ppt/slides/slide14.xml><?xml version="1.0" encoding="utf-8"?>
+<p:sld xmlns:a="http://schemas.openxmlformats.org/drawingml/2006/main" xmlns:r="http://schemas.openxmlformats.org/officeDocument/2006/relationships" xmlns:p="http://schemas.openxmlformats.org/presentationml/2006/main">
+  <p:cSld>
+    <p:spTree>
+      <p:nvGrpSpPr>
+        <p:cNvPr id="1" name=""/>
+        <p:cNvGrpSpPr/>
+        <p:nvPr/>
+      </p:nvGrpSpPr>
+      <p:grpSpPr>
+        <a:xfrm>
+          <a:off x="0" y="0"/>
+          <a:ext cx="0" cy="0"/>
+          <a:chOff x="0" y="0"/>
+          <a:chExt cx="0" cy="0"/>
+        </a:xfrm>
+      </p:grpSpPr>
+      <p:sp>
+        <p:nvSpPr>
+          <p:cNvPr id="2" name="Titel 1"/>
+          <p:cNvSpPr>
+            <a:spLocks noGrp="1"/>
+          </p:cNvSpPr>
+          <p:nvPr>
+            <p:ph type="title"/>
+          </p:nvPr>
+        </p:nvSpPr>
+        <p:spPr/>
+        <p:txBody>
+          <a:bodyPr/>
+          <a:lstStyle/>
+          <a:p>
+            <a:r>
+              <a:rPr lang="de-DE" dirty="0" smtClean="0"/>
+              <a:t>Client</a:t>
+            </a:r>
+            <a:endParaRPr lang="de-DE" dirty="0"/>
+          </a:p>
+        </p:txBody>
+      </p:sp>
+      <p:pic>
+        <p:nvPicPr>
+          <p:cNvPr id="7" name="Inhaltsplatzhalter 6"/>
+          <p:cNvPicPr>
+            <a:picLocks noGrp="1" noChangeAspect="1"/>
+          </p:cNvPicPr>
+          <p:nvPr>
+            <p:ph idx="1"/>
+          </p:nvPr>
+        </p:nvPicPr>
+        <p:blipFill>
+          <a:blip r:embed="rId2">
+            <a:extLst>
+              <a:ext uri="{28A0092B-C50C-407E-A947-70E740481C1C}">
+                <a14:useLocalDpi xmlns:a14="http://schemas.microsoft.com/office/drawing/2010/main" val="0"/>
+              </a:ext>
+            </a:extLst>
+          </a:blip>
+          <a:stretch>
+            <a:fillRect/>
+          </a:stretch>
+        </p:blipFill>
+        <p:spPr>
+          <a:xfrm>
+            <a:off x="1414404" y="2549225"/>
+            <a:ext cx="4980661" cy="3317875"/>
+          </a:xfrm>
+        </p:spPr>
+      </p:pic>
+      <p:pic>
+        <p:nvPicPr>
+          <p:cNvPr id="8" name="Grafik 7"/>
+          <p:cNvPicPr>
+            <a:picLocks noChangeAspect="1"/>
+          </p:cNvPicPr>
+          <p:nvPr/>
+        </p:nvPicPr>
+        <p:blipFill>
+          <a:blip r:embed="rId3">
+            <a:extLst>
+              <a:ext uri="{28A0092B-C50C-407E-A947-70E740481C1C}">
+                <a14:useLocalDpi xmlns:a14="http://schemas.microsoft.com/office/drawing/2010/main" val="0"/>
+              </a:ext>
+            </a:extLst>
+          </a:blip>
+          <a:stretch>
+            <a:fillRect/>
+          </a:stretch>
+        </p:blipFill>
+        <p:spPr>
+          <a:xfrm>
+            <a:off x="6395064" y="2549225"/>
+            <a:ext cx="4997865" cy="1800476"/>
+          </a:xfrm>
+          <a:prstGeom prst="rect">
+            <a:avLst/>
+          </a:prstGeom>
+        </p:spPr>
+      </p:pic>
+    </p:spTree>
+    <p:extLst>
+      <p:ext uri="{BB962C8B-B14F-4D97-AF65-F5344CB8AC3E}">
+        <p14:creationId xmlns:p14="http://schemas.microsoft.com/office/powerpoint/2010/main" val="4294791047"/>
+      </p:ext>
+    </p:extLst>
+  </p:cSld>
+  <p:clrMapOvr>
+    <a:masterClrMapping/>
+  </p:clrMapOvr>
+  <p:timing>
+    <p:tnLst>
+      <p:par>
+        <p:cTn id="1" dur="indefinite" restart="never" nodeType="tmRoot"/>
+      </p:par>
+    </p:tnLst>
+  </p:timing>
+</p:sld>
+</file>
+
+<file path=ppt/slides/slide15.xml><?xml version="1.0" encoding="utf-8"?>
+<p:sld xmlns:a="http://schemas.openxmlformats.org/drawingml/2006/main" xmlns:r="http://schemas.openxmlformats.org/officeDocument/2006/relationships" xmlns:p="http://schemas.openxmlformats.org/presentationml/2006/main">
+  <p:cSld>
+    <p:spTree>
+      <p:nvGrpSpPr>
+        <p:cNvPr id="1" name=""/>
+        <p:cNvGrpSpPr/>
+        <p:nvPr/>
+      </p:nvGrpSpPr>
+      <p:grpSpPr>
+        <a:xfrm>
+          <a:off x="0" y="0"/>
+          <a:ext cx="0" cy="0"/>
+          <a:chOff x="0" y="0"/>
+          <a:chExt cx="0" cy="0"/>
+        </a:xfrm>
+      </p:grpSpPr>
+      <p:sp>
+        <p:nvSpPr>
+          <p:cNvPr id="2" name="Titel 1"/>
+          <p:cNvSpPr>
+            <a:spLocks noGrp="1"/>
+          </p:cNvSpPr>
+          <p:nvPr>
+            <p:ph type="title"/>
+          </p:nvPr>
+        </p:nvSpPr>
+        <p:spPr/>
+        <p:txBody>
+          <a:bodyPr/>
+          <a:lstStyle/>
+          <a:p>
+            <a:r>
+              <a:rPr lang="de-DE" dirty="0" smtClean="0"/>
+              <a:t>Client</a:t>
+            </a:r>
+            <a:endParaRPr lang="de-DE" dirty="0"/>
+          </a:p>
+        </p:txBody>
+      </p:sp>
+      <p:pic>
+        <p:nvPicPr>
+          <p:cNvPr id="7" name="Inhaltsplatzhalter 6"/>
+          <p:cNvPicPr>
+            <a:picLocks noGrp="1" noChangeAspect="1"/>
+          </p:cNvPicPr>
+          <p:nvPr>
+            <p:ph idx="1"/>
+          </p:nvPr>
+        </p:nvPicPr>
+        <p:blipFill>
+          <a:blip r:embed="rId2">
+            <a:extLst>
+              <a:ext uri="{28A0092B-C50C-407E-A947-70E740481C1C}">
+                <a14:useLocalDpi xmlns:a14="http://schemas.microsoft.com/office/drawing/2010/main" val="0"/>
+              </a:ext>
+            </a:extLst>
+          </a:blip>
+          <a:stretch>
+            <a:fillRect/>
+          </a:stretch>
+        </p:blipFill>
+        <p:spPr>
+          <a:xfrm>
+            <a:off x="1389931" y="2582793"/>
+            <a:ext cx="6611273" cy="2838846"/>
+          </a:xfrm>
+        </p:spPr>
+      </p:pic>
+    </p:spTree>
+    <p:extLst>
+      <p:ext uri="{BB962C8B-B14F-4D97-AF65-F5344CB8AC3E}">
+        <p14:creationId xmlns:p14="http://schemas.microsoft.com/office/powerpoint/2010/main" val="4199142117"/>
+      </p:ext>
+    </p:extLst>
+  </p:cSld>
+  <p:clrMapOvr>
+    <a:masterClrMapping/>
+  </p:clrMapOvr>
+  <p:timing>
+    <p:tnLst>
+      <p:par>
+        <p:cTn id="1" dur="indefinite" restart="never" nodeType="tmRoot"/>
+      </p:par>
+    </p:tnLst>
+  </p:timing>
+</p:sld>
+</file>
+
+<file path=ppt/slides/slide16.xml><?xml version="1.0" encoding="utf-8"?>
+<p:sld xmlns:a="http://schemas.openxmlformats.org/drawingml/2006/main" xmlns:r="http://schemas.openxmlformats.org/officeDocument/2006/relationships" xmlns:p="http://schemas.openxmlformats.org/presentationml/2006/main">
+  <p:cSld>
+    <p:spTree>
+      <p:nvGrpSpPr>
+        <p:cNvPr id="1" name=""/>
+        <p:cNvGrpSpPr/>
+        <p:nvPr/>
+      </p:nvGrpSpPr>
+      <p:grpSpPr>
+        <a:xfrm>
+          <a:off x="0" y="0"/>
+          <a:ext cx="0" cy="0"/>
+          <a:chOff x="0" y="0"/>
+          <a:chExt cx="0" cy="0"/>
+        </a:xfrm>
+      </p:grpSpPr>
+      <p:sp>
+        <p:nvSpPr>
+          <p:cNvPr id="2" name="Titel 1"/>
+          <p:cNvSpPr>
+            <a:spLocks noGrp="1"/>
+          </p:cNvSpPr>
+          <p:nvPr>
+            <p:ph type="title"/>
+          </p:nvPr>
+        </p:nvSpPr>
+        <p:spPr/>
+        <p:txBody>
+          <a:bodyPr/>
+          <a:lstStyle/>
+          <a:p>
+            <a:r>
+              <a:rPr lang="de-DE" dirty="0" smtClean="0"/>
+              <a:t>Client</a:t>
+            </a:r>
+            <a:endParaRPr lang="de-DE" dirty="0"/>
+          </a:p>
+        </p:txBody>
+      </p:sp>
+      <p:pic>
+        <p:nvPicPr>
+          <p:cNvPr id="6" name="Inhaltsplatzhalter 5"/>
+          <p:cNvPicPr>
+            <a:picLocks noGrp="1" noChangeAspect="1"/>
+          </p:cNvPicPr>
+          <p:nvPr>
+            <p:ph idx="1"/>
+          </p:nvPr>
+        </p:nvPicPr>
+        <p:blipFill>
+          <a:blip r:embed="rId2">
+            <a:extLst>
+              <a:ext uri="{28A0092B-C50C-407E-A947-70E740481C1C}">
+                <a14:useLocalDpi xmlns:a14="http://schemas.microsoft.com/office/drawing/2010/main" val="0"/>
+              </a:ext>
+            </a:extLst>
+          </a:blip>
+          <a:stretch>
+            <a:fillRect/>
+          </a:stretch>
+        </p:blipFill>
+        <p:spPr>
+          <a:xfrm>
+            <a:off x="1408088" y="2540988"/>
+            <a:ext cx="4163761" cy="3522061"/>
+          </a:xfrm>
+        </p:spPr>
+      </p:pic>
+      <p:pic>
+        <p:nvPicPr>
+          <p:cNvPr id="7" name="Grafik 6"/>
+          <p:cNvPicPr>
+            <a:picLocks noChangeAspect="1"/>
+          </p:cNvPicPr>
+          <p:nvPr/>
+        </p:nvPicPr>
+        <p:blipFill>
+          <a:blip r:embed="rId3">
+            <a:extLst>
+              <a:ext uri="{28A0092B-C50C-407E-A947-70E740481C1C}">
+                <a14:useLocalDpi xmlns:a14="http://schemas.microsoft.com/office/drawing/2010/main" val="0"/>
+              </a:ext>
+            </a:extLst>
+          </a:blip>
+          <a:stretch>
+            <a:fillRect/>
+          </a:stretch>
+        </p:blipFill>
+        <p:spPr>
+          <a:xfrm>
+            <a:off x="5678941" y="2540988"/>
+            <a:ext cx="5457825" cy="2514600"/>
+          </a:xfrm>
+          <a:prstGeom prst="rect">
+            <a:avLst/>
+          </a:prstGeom>
+        </p:spPr>
+      </p:pic>
+    </p:spTree>
+    <p:extLst>
+      <p:ext uri="{BB962C8B-B14F-4D97-AF65-F5344CB8AC3E}">
+        <p14:creationId xmlns:p14="http://schemas.microsoft.com/office/powerpoint/2010/main" val="2482108666"/>
+      </p:ext>
+    </p:extLst>
+  </p:cSld>
+  <p:clrMapOvr>
+    <a:masterClrMapping/>
+  </p:clrMapOvr>
+  <p:timing>
+    <p:tnLst>
+      <p:par>
+        <p:cTn id="1" dur="indefinite" restart="never" nodeType="tmRoot"/>
+      </p:par>
+    </p:tnLst>
+  </p:timing>
+</p:sld>
+</file>
+
+<file path=ppt/slides/slide17.xml><?xml version="1.0" encoding="utf-8"?>
+<p:sld xmlns:a="http://schemas.openxmlformats.org/drawingml/2006/main" xmlns:r="http://schemas.openxmlformats.org/officeDocument/2006/relationships" xmlns:p="http://schemas.openxmlformats.org/presentationml/2006/main">
+  <p:cSld>
+    <p:spTree>
+      <p:nvGrpSpPr>
+        <p:cNvPr id="1" name=""/>
+        <p:cNvGrpSpPr/>
+        <p:nvPr/>
+      </p:nvGrpSpPr>
+      <p:grpSpPr>
+        <a:xfrm>
+          <a:off x="0" y="0"/>
+          <a:ext cx="0" cy="0"/>
+          <a:chOff x="0" y="0"/>
+          <a:chExt cx="0" cy="0"/>
+        </a:xfrm>
+      </p:grpSpPr>
+      <p:sp>
+        <p:nvSpPr>
+          <p:cNvPr id="2" name="Titel 1"/>
+          <p:cNvSpPr>
+            <a:spLocks noGrp="1"/>
+          </p:cNvSpPr>
+          <p:nvPr>
+            <p:ph type="title"/>
+          </p:nvPr>
+        </p:nvSpPr>
+        <p:spPr/>
+        <p:txBody>
+          <a:bodyPr/>
+          <a:lstStyle/>
+          <a:p>
+            <a:r>
+              <a:rPr lang="de-DE" dirty="0" smtClean="0"/>
+              <a:t>Gewinnabfragen</a:t>
+            </a:r>
+            <a:endParaRPr lang="de-DE" dirty="0"/>
+          </a:p>
+        </p:txBody>
+      </p:sp>
+      <p:pic>
+        <p:nvPicPr>
+          <p:cNvPr id="4" name="Inhaltsplatzhalter 3"/>
+          <p:cNvPicPr>
+            <a:picLocks noGrp="1" noChangeAspect="1"/>
+          </p:cNvPicPr>
+          <p:nvPr>
+            <p:ph idx="1"/>
+          </p:nvPr>
+        </p:nvPicPr>
+        <p:blipFill>
+          <a:blip r:embed="rId2">
+            <a:extLst>
+              <a:ext uri="{28A0092B-C50C-407E-A947-70E740481C1C}">
+                <a14:useLocalDpi xmlns:a14="http://schemas.microsoft.com/office/drawing/2010/main" val="0"/>
+              </a:ext>
+            </a:extLst>
+          </a:blip>
+          <a:stretch>
+            <a:fillRect/>
+          </a:stretch>
+        </p:blipFill>
+        <p:spPr>
+          <a:xfrm>
+            <a:off x="1397858" y="2578203"/>
+            <a:ext cx="6134100" cy="2567940"/>
+          </a:xfrm>
+        </p:spPr>
+      </p:pic>
+    </p:spTree>
+    <p:extLst>
+      <p:ext uri="{BB962C8B-B14F-4D97-AF65-F5344CB8AC3E}">
+        <p14:creationId xmlns:p14="http://schemas.microsoft.com/office/powerpoint/2010/main" val="1820573675"/>
+      </p:ext>
+    </p:extLst>
+  </p:cSld>
+  <p:clrMapOvr>
+    <a:masterClrMapping/>
+  </p:clrMapOvr>
+  <p:timing>
+    <p:tnLst>
+      <p:par>
+        <p:cTn id="1" dur="indefinite" restart="never" nodeType="tmRoot"/>
+      </p:par>
+    </p:tnLst>
+  </p:timing>
+</p:sld>
+</file>
+
+<file path=ppt/slides/slide18.xml><?xml version="1.0" encoding="utf-8"?>
+<p:sld xmlns:a="http://schemas.openxmlformats.org/drawingml/2006/main" xmlns:r="http://schemas.openxmlformats.org/officeDocument/2006/relationships" xmlns:p="http://schemas.openxmlformats.org/presentationml/2006/main">
+  <p:cSld>
+    <p:spTree>
+      <p:nvGrpSpPr>
+        <p:cNvPr id="1" name=""/>
+        <p:cNvGrpSpPr/>
+        <p:nvPr/>
+      </p:nvGrpSpPr>
+      <p:grpSpPr>
+        <a:xfrm>
+          <a:off x="0" y="0"/>
+          <a:ext cx="0" cy="0"/>
+          <a:chOff x="0" y="0"/>
+          <a:chExt cx="0" cy="0"/>
+        </a:xfrm>
+      </p:grpSpPr>
+      <p:sp>
+        <p:nvSpPr>
+          <p:cNvPr id="2" name="Titel 1"/>
+          <p:cNvSpPr>
+            <a:spLocks noGrp="1"/>
+          </p:cNvSpPr>
+          <p:nvPr>
+            <p:ph type="title"/>
+          </p:nvPr>
+        </p:nvSpPr>
+        <p:spPr/>
+        <p:txBody>
+          <a:bodyPr/>
+          <a:lstStyle/>
+          <a:p>
+            <a:r>
+              <a:rPr lang="de-DE" dirty="0" smtClean="0"/>
+              <a:t>Gewinnabfragen</a:t>
+            </a:r>
+            <a:endParaRPr lang="de-DE" dirty="0"/>
+          </a:p>
+        </p:txBody>
+      </p:sp>
+      <p:pic>
+        <p:nvPicPr>
+          <p:cNvPr id="4" name="Inhaltsplatzhalter 3"/>
+          <p:cNvPicPr>
+            <a:picLocks noGrp="1" noChangeAspect="1"/>
+          </p:cNvPicPr>
+          <p:nvPr>
+            <p:ph idx="1"/>
+          </p:nvPr>
+        </p:nvPicPr>
+        <p:blipFill>
+          <a:blip r:embed="rId2">
+            <a:extLst>
+              <a:ext uri="{28A0092B-C50C-407E-A947-70E740481C1C}">
+                <a14:useLocalDpi xmlns:a14="http://schemas.microsoft.com/office/drawing/2010/main" val="0"/>
+              </a:ext>
+            </a:extLst>
+          </a:blip>
+          <a:stretch>
+            <a:fillRect/>
+          </a:stretch>
+        </p:blipFill>
+        <p:spPr>
+          <a:xfrm>
+            <a:off x="1388732" y="2508036"/>
+            <a:ext cx="5811250" cy="3686818"/>
+          </a:xfrm>
+        </p:spPr>
+      </p:pic>
+    </p:spTree>
+    <p:extLst>
+      <p:ext uri="{BB962C8B-B14F-4D97-AF65-F5344CB8AC3E}">
+        <p14:creationId xmlns:p14="http://schemas.microsoft.com/office/powerpoint/2010/main" val="3786432675"/>
+      </p:ext>
+    </p:extLst>
+  </p:cSld>
+  <p:clrMapOvr>
+    <a:masterClrMapping/>
+  </p:clrMapOvr>
+  <p:timing>
+    <p:tnLst>
+      <p:par>
+        <p:cTn id="1" dur="indefinite" restart="never" nodeType="tmRoot"/>
+      </p:par>
+    </p:tnLst>
+  </p:timing>
+</p:sld>
+</file>
+
+<file path=ppt/slides/slide19.xml><?xml version="1.0" encoding="utf-8"?>
+<p:sld xmlns:a="http://schemas.openxmlformats.org/drawingml/2006/main" xmlns:r="http://schemas.openxmlformats.org/officeDocument/2006/relationships" xmlns:p="http://schemas.openxmlformats.org/presentationml/2006/main">
+  <p:cSld>
+    <p:spTree>
+      <p:nvGrpSpPr>
+        <p:cNvPr id="1" name=""/>
+        <p:cNvGrpSpPr/>
+        <p:nvPr/>
+      </p:nvGrpSpPr>
+      <p:grpSpPr>
+        <a:xfrm>
+          <a:off x="0" y="0"/>
+          <a:ext cx="0" cy="0"/>
+          <a:chOff x="0" y="0"/>
+          <a:chExt cx="0" cy="0"/>
+        </a:xfrm>
+      </p:grpSpPr>
+      <p:sp>
+        <p:nvSpPr>
+          <p:cNvPr id="4" name="Titel 3"/>
+          <p:cNvSpPr>
+            <a:spLocks noGrp="1"/>
+          </p:cNvSpPr>
+          <p:nvPr>
+            <p:ph type="ctrTitle"/>
+          </p:nvPr>
+        </p:nvSpPr>
+        <p:spPr/>
+        <p:txBody>
+          <a:bodyPr/>
+          <a:lstStyle/>
+          <a:p>
+            <a:r>
+              <a:rPr lang="de-DE" dirty="0" smtClean="0"/>
+              <a:t>Vielen Dank!</a:t>
+            </a:r>
+            <a:endParaRPr lang="de-DE" dirty="0"/>
+          </a:p>
+        </p:txBody>
+      </p:sp>
+      <p:sp>
+        <p:nvSpPr>
+          <p:cNvPr id="5" name="Untertitel 4"/>
+          <p:cNvSpPr>
+            <a:spLocks noGrp="1"/>
+          </p:cNvSpPr>
+          <p:nvPr>
+            <p:ph type="subTitle" idx="1"/>
+          </p:nvPr>
+        </p:nvSpPr>
+        <p:spPr/>
+        <p:txBody>
+          <a:bodyPr/>
+          <a:lstStyle/>
+          <a:p>
+            <a:endParaRPr lang="de-DE"/>
+          </a:p>
+        </p:txBody>
+      </p:sp>
+    </p:spTree>
+    <p:extLst>
+      <p:ext uri="{BB962C8B-B14F-4D97-AF65-F5344CB8AC3E}">
+        <p14:creationId xmlns:p14="http://schemas.microsoft.com/office/powerpoint/2010/main" val="3718417770"/>
+      </p:ext>
+    </p:extLst>
+  </p:cSld>
+  <p:clrMapOvr>
+    <a:masterClrMapping/>
+  </p:clrMapOvr>
+  <p:timing>
+    <p:tnLst>
+      <p:par>
+        <p:cTn id="1" dur="indefinite" restart="never" nodeType="tmRoot"/>
+      </p:par>
+    </p:tnLst>
+  </p:timing>
 </p:sld>
 </file>
 
@@ -6421,35 +7397,65 @@
           </a:p>
         </p:txBody>
       </p:sp>
-      <p:sp>
-        <p:nvSpPr>
-          <p:cNvPr id="3" name="Inhaltsplatzhalter 2"/>
-          <p:cNvSpPr>
-            <a:spLocks noGrp="1"/>
-          </p:cNvSpPr>
+      <p:pic>
+        <p:nvPicPr>
+          <p:cNvPr id="6" name="Inhaltsplatzhalter 5"/>
+          <p:cNvPicPr>
+            <a:picLocks noGrp="1" noChangeAspect="1"/>
+          </p:cNvPicPr>
           <p:nvPr>
             <p:ph idx="1"/>
           </p:nvPr>
-        </p:nvSpPr>
-        <p:spPr/>
-        <p:txBody>
-          <a:bodyPr/>
-          <a:lstStyle/>
-          <a:p>
-            <a:r>
-              <a:rPr lang="de-DE" dirty="0" smtClean="0"/>
-              <a:t>Bild von Lucille einfügen</a:t>
-            </a:r>
-          </a:p>
-          <a:p>
-            <a:r>
-              <a:rPr lang="de-DE" dirty="0" smtClean="0"/>
-              <a:t>Und UML</a:t>
-            </a:r>
-            <a:endParaRPr lang="de-DE" dirty="0"/>
-          </a:p>
-        </p:txBody>
-      </p:sp>
+        </p:nvPicPr>
+        <p:blipFill>
+          <a:blip r:embed="rId2">
+            <a:extLst>
+              <a:ext uri="{28A0092B-C50C-407E-A947-70E740481C1C}">
+                <a14:useLocalDpi xmlns:a14="http://schemas.microsoft.com/office/drawing/2010/main" val="0"/>
+              </a:ext>
+            </a:extLst>
+          </a:blip>
+          <a:stretch>
+            <a:fillRect/>
+          </a:stretch>
+        </p:blipFill>
+        <p:spPr>
+          <a:xfrm>
+            <a:off x="1396184" y="2555189"/>
+            <a:ext cx="4689697" cy="2082714"/>
+          </a:xfrm>
+        </p:spPr>
+      </p:pic>
+      <p:pic>
+        <p:nvPicPr>
+          <p:cNvPr id="7" name="Grafik 6"/>
+          <p:cNvPicPr>
+            <a:picLocks noChangeAspect="1"/>
+          </p:cNvPicPr>
+          <p:nvPr/>
+        </p:nvPicPr>
+        <p:blipFill>
+          <a:blip r:embed="rId3">
+            <a:extLst>
+              <a:ext uri="{28A0092B-C50C-407E-A947-70E740481C1C}">
+                <a14:useLocalDpi xmlns:a14="http://schemas.microsoft.com/office/drawing/2010/main" val="0"/>
+              </a:ext>
+            </a:extLst>
+          </a:blip>
+          <a:stretch>
+            <a:fillRect/>
+          </a:stretch>
+        </p:blipFill>
+        <p:spPr>
+          <a:xfrm>
+            <a:off x="6480604" y="2555189"/>
+            <a:ext cx="3873859" cy="3470833"/>
+          </a:xfrm>
+          <a:prstGeom prst="rect">
+            <a:avLst/>
+          </a:prstGeom>
+        </p:spPr>
+      </p:pic>
     </p:spTree>
     <p:extLst>
       <p:ext uri="{BB962C8B-B14F-4D97-AF65-F5344CB8AC3E}">
@@ -6460,6 +7466,13 @@
   <p:clrMapOvr>
     <a:masterClrMapping/>
   </p:clrMapOvr>
+  <p:timing>
+    <p:tnLst>
+      <p:par>
+        <p:cTn id="1" dur="indefinite" restart="never" nodeType="tmRoot"/>
+      </p:par>
+    </p:tnLst>
+  </p:timing>
 </p:sld>
 </file>
 
@@ -6497,84 +7510,58 @@
           <a:p>
             <a:r>
               <a:rPr lang="de-DE" dirty="0" smtClean="0"/>
-              <a:t>GUI</a:t>
+              <a:t>Konzeption</a:t>
             </a:r>
             <a:endParaRPr lang="de-DE" dirty="0"/>
           </a:p>
         </p:txBody>
       </p:sp>
-      <p:sp>
-        <p:nvSpPr>
-          <p:cNvPr id="3" name="Inhaltsplatzhalter 2"/>
-          <p:cNvSpPr>
-            <a:spLocks noGrp="1"/>
-          </p:cNvSpPr>
+      <p:pic>
+        <p:nvPicPr>
+          <p:cNvPr id="4" name="Inhaltsplatzhalter 3"/>
+          <p:cNvPicPr>
+            <a:picLocks noGrp="1" noChangeAspect="1"/>
+          </p:cNvPicPr>
           <p:nvPr>
             <p:ph idx="1"/>
           </p:nvPr>
-        </p:nvSpPr>
-        <p:spPr/>
-        <p:txBody>
-          <a:bodyPr/>
-          <a:lstStyle/>
-          <a:p>
-            <a:r>
-              <a:rPr lang="de-DE" dirty="0" smtClean="0"/>
-              <a:t>Umsetzung mit Swing fehlgeschlagen </a:t>
-            </a:r>
-          </a:p>
-          <a:p>
-            <a:r>
-              <a:rPr lang="de-DE" dirty="0" smtClean="0"/>
-              <a:t>Umstieg auf </a:t>
-            </a:r>
-            <a:r>
-              <a:rPr lang="de-DE" dirty="0" err="1" smtClean="0"/>
-              <a:t>JavaFX</a:t>
-            </a:r>
-            <a:endParaRPr lang="de-DE" dirty="0" smtClean="0"/>
-          </a:p>
-          <a:p>
-            <a:r>
-              <a:rPr lang="de-DE" dirty="0" err="1" smtClean="0"/>
-              <a:t>Grid</a:t>
-            </a:r>
-            <a:r>
-              <a:rPr lang="de-DE" dirty="0"/>
-              <a:t> </a:t>
-            </a:r>
-            <a:r>
-              <a:rPr lang="de-DE" dirty="0" smtClean="0"/>
-              <a:t>Layout mit 7 Spalten und 6 Zeilen</a:t>
-            </a:r>
-          </a:p>
-          <a:p>
-            <a:r>
-              <a:rPr lang="de-DE" dirty="0" smtClean="0"/>
-              <a:t>Weiße Kreise mit Hilfe einer </a:t>
-            </a:r>
-            <a:r>
-              <a:rPr lang="de-DE" dirty="0" err="1" smtClean="0"/>
-              <a:t>for</a:t>
-            </a:r>
-            <a:r>
-              <a:rPr lang="de-DE" dirty="0" smtClean="0"/>
-              <a:t>-Schleife in das Layout eingefügt</a:t>
-            </a:r>
-            <a:endParaRPr lang="de-DE" dirty="0"/>
-          </a:p>
-        </p:txBody>
-      </p:sp>
+        </p:nvPicPr>
+        <p:blipFill>
+          <a:blip r:embed="rId2">
+            <a:extLst>
+              <a:ext uri="{28A0092B-C50C-407E-A947-70E740481C1C}">
+                <a14:useLocalDpi xmlns:a14="http://schemas.microsoft.com/office/drawing/2010/main" val="0"/>
+              </a:ext>
+            </a:extLst>
+          </a:blip>
+          <a:stretch>
+            <a:fillRect/>
+          </a:stretch>
+        </p:blipFill>
+        <p:spPr>
+          <a:xfrm>
+            <a:off x="1406435" y="2549225"/>
+            <a:ext cx="6603719" cy="3620916"/>
+          </a:xfrm>
+        </p:spPr>
+      </p:pic>
     </p:spTree>
     <p:extLst>
       <p:ext uri="{BB962C8B-B14F-4D97-AF65-F5344CB8AC3E}">
-        <p14:creationId xmlns:p14="http://schemas.microsoft.com/office/powerpoint/2010/main" val="2853557292"/>
+        <p14:creationId xmlns:p14="http://schemas.microsoft.com/office/powerpoint/2010/main" val="2289523676"/>
       </p:ext>
     </p:extLst>
   </p:cSld>
   <p:clrMapOvr>
     <a:masterClrMapping/>
   </p:clrMapOvr>
+  <p:timing>
+    <p:tnLst>
+      <p:par>
+        <p:cTn id="1" dur="indefinite" restart="never" nodeType="tmRoot"/>
+      </p:par>
+    </p:tnLst>
+  </p:timing>
 </p:sld>
 </file>
 
@@ -6612,7 +7599,7 @@
           <a:p>
             <a:r>
               <a:rPr lang="de-DE" dirty="0" smtClean="0"/>
-              <a:t>Server</a:t>
+              <a:t>GUI</a:t>
             </a:r>
             <a:endParaRPr lang="de-DE" dirty="0"/>
           </a:p>
@@ -6634,65 +7621,48 @@
           <a:lstStyle/>
           <a:p>
             <a:r>
+              <a:rPr lang="de-DE" dirty="0" smtClean="0"/>
+              <a:t>Umsetzung mit Swing fehlgeschlagen </a:t>
+            </a:r>
+          </a:p>
+          <a:p>
+            <a:r>
+              <a:rPr lang="de-DE" dirty="0" smtClean="0"/>
+              <a:t>Umstieg auf </a:t>
+            </a:r>
+            <a:r>
+              <a:rPr lang="de-DE" dirty="0" err="1" smtClean="0"/>
+              <a:t>JavaFX</a:t>
+            </a:r>
+            <a:endParaRPr lang="de-DE" dirty="0" smtClean="0"/>
+          </a:p>
+          <a:p>
+            <a:r>
+              <a:rPr lang="de-DE" dirty="0" err="1" smtClean="0"/>
+              <a:t>Grid</a:t>
+            </a:r>
+            <a:r>
               <a:rPr lang="de-DE" dirty="0"/>
-              <a:t>2 </a:t>
+              <a:t> </a:t>
             </a:r>
             <a:r>
               <a:rPr lang="de-DE" dirty="0" smtClean="0"/>
-              <a:t>Programme (Client </a:t>
-            </a:r>
-            <a:r>
-              <a:rPr lang="de-DE" dirty="0"/>
-              <a:t>+ GUI und Server</a:t>
-            </a:r>
+              <a:t>Layout mit 7 Spalten und 6 Zeilen</a:t>
+            </a:r>
+          </a:p>
+          <a:p>
             <a:r>
               <a:rPr lang="de-DE" dirty="0" smtClean="0"/>
-              <a:t>)</a:t>
-            </a:r>
-          </a:p>
-          <a:p>
+              <a:t>Weiße Kreise mit Hilfe einer </a:t>
+            </a:r>
+            <a:r>
+              <a:rPr lang="de-DE" dirty="0" err="1" smtClean="0"/>
+              <a:t>for</a:t>
+            </a:r>
             <a:r>
               <a:rPr lang="de-DE" dirty="0" smtClean="0"/>
-              <a:t>Klasse Server</a:t>
-            </a:r>
-          </a:p>
-          <a:p>
-            <a:r>
-              <a:rPr lang="de-DE" dirty="0" err="1" smtClean="0"/>
-              <a:t>ServerSocket</a:t>
-            </a:r>
-            <a:r>
-              <a:rPr lang="de-DE" dirty="0" smtClean="0"/>
-              <a:t> gestartet im eigenen Thread</a:t>
-            </a:r>
-          </a:p>
-          <a:p>
-            <a:r>
-              <a:rPr lang="de-DE" dirty="0" smtClean="0"/>
-              <a:t>Bei einer neuen Verbindung wird Client der Client Liste hinzugefügt</a:t>
-            </a:r>
-          </a:p>
-          <a:p>
-            <a:r>
-              <a:rPr lang="de-DE" dirty="0" smtClean="0"/>
-              <a:t>Klasse </a:t>
-            </a:r>
-            <a:r>
-              <a:rPr lang="de-DE" dirty="0" err="1" smtClean="0"/>
-              <a:t>ThreadClient</a:t>
-            </a:r>
-            <a:endParaRPr lang="de-DE" dirty="0" smtClean="0"/>
-          </a:p>
-          <a:p>
-            <a:r>
-              <a:rPr lang="de-DE" dirty="0" smtClean="0"/>
-              <a:t>Kommunikation zwischen Client und Server wird geregelt</a:t>
-            </a:r>
-          </a:p>
-          <a:p>
-            <a:endParaRPr lang="de-DE" dirty="0" smtClean="0"/>
-          </a:p>
-          <a:p>
+              <a:t>-Schleife in das Layout eingefügt</a:t>
+            </a:r>
             <a:endParaRPr lang="de-DE" dirty="0"/>
           </a:p>
         </p:txBody>
@@ -6700,13 +7670,20 @@
     </p:spTree>
     <p:extLst>
       <p:ext uri="{BB962C8B-B14F-4D97-AF65-F5344CB8AC3E}">
-        <p14:creationId xmlns:p14="http://schemas.microsoft.com/office/powerpoint/2010/main" val="3127708144"/>
+        <p14:creationId xmlns:p14="http://schemas.microsoft.com/office/powerpoint/2010/main" val="2853557292"/>
       </p:ext>
     </p:extLst>
   </p:cSld>
   <p:clrMapOvr>
     <a:masterClrMapping/>
   </p:clrMapOvr>
+  <p:timing>
+    <p:tnLst>
+      <p:par>
+        <p:cTn id="1" dur="indefinite" restart="never" nodeType="tmRoot"/>
+      </p:par>
+    </p:tnLst>
+  </p:timing>
 </p:sld>
 </file>
 
@@ -6744,69 +7721,58 @@
           <a:p>
             <a:r>
               <a:rPr lang="de-DE" dirty="0" smtClean="0"/>
-              <a:t>Client</a:t>
+              <a:t>GUI</a:t>
             </a:r>
             <a:endParaRPr lang="de-DE" dirty="0"/>
           </a:p>
         </p:txBody>
       </p:sp>
-      <p:sp>
-        <p:nvSpPr>
-          <p:cNvPr id="3" name="Inhaltsplatzhalter 2"/>
-          <p:cNvSpPr>
-            <a:spLocks noGrp="1"/>
-          </p:cNvSpPr>
+      <p:pic>
+        <p:nvPicPr>
+          <p:cNvPr id="4" name="Inhaltsplatzhalter 3"/>
+          <p:cNvPicPr>
+            <a:picLocks noGrp="1" noChangeAspect="1"/>
+          </p:cNvPicPr>
           <p:nvPr>
             <p:ph idx="1"/>
           </p:nvPr>
-        </p:nvSpPr>
-        <p:spPr/>
-        <p:txBody>
-          <a:bodyPr/>
-          <a:lstStyle/>
-          <a:p>
-            <a:r>
-              <a:rPr lang="de-DE" dirty="0" smtClean="0"/>
-              <a:t>IP-Adresse des Servers eingeben zum Verbinden</a:t>
-            </a:r>
-          </a:p>
-          <a:p>
-            <a:r>
-              <a:rPr lang="de-DE" dirty="0" smtClean="0"/>
-              <a:t>Neuer Client wird automatisch erstellt</a:t>
-            </a:r>
-          </a:p>
-          <a:p>
-            <a:r>
-              <a:rPr lang="de-DE" dirty="0" smtClean="0"/>
-              <a:t>Thread zum Empfangen von Nachrichten des Servers</a:t>
-            </a:r>
-          </a:p>
-          <a:p>
-            <a:r>
-              <a:rPr lang="de-DE" dirty="0" smtClean="0"/>
-              <a:t>Gesetzte Chips werden in ein Array eingetragen</a:t>
-            </a:r>
-          </a:p>
-          <a:p>
-            <a:r>
-              <a:rPr lang="de-DE" dirty="0" smtClean="0"/>
-              <a:t>Array wird an Echo Server geschickt</a:t>
-            </a:r>
-            <a:endParaRPr lang="de-DE" dirty="0"/>
-          </a:p>
-        </p:txBody>
-      </p:sp>
+        </p:nvPicPr>
+        <p:blipFill>
+          <a:blip r:embed="rId2">
+            <a:extLst>
+              <a:ext uri="{28A0092B-C50C-407E-A947-70E740481C1C}">
+                <a14:useLocalDpi xmlns:a14="http://schemas.microsoft.com/office/drawing/2010/main" val="0"/>
+              </a:ext>
+            </a:extLst>
+          </a:blip>
+          <a:stretch>
+            <a:fillRect/>
+          </a:stretch>
+        </p:blipFill>
+        <p:spPr>
+          <a:xfrm>
+            <a:off x="1379857" y="2550793"/>
+            <a:ext cx="8677275" cy="428625"/>
+          </a:xfrm>
+        </p:spPr>
+      </p:pic>
     </p:spTree>
     <p:extLst>
       <p:ext uri="{BB962C8B-B14F-4D97-AF65-F5344CB8AC3E}">
-        <p14:creationId xmlns:p14="http://schemas.microsoft.com/office/powerpoint/2010/main" val="3312068503"/>
+        <p14:creationId xmlns:p14="http://schemas.microsoft.com/office/powerpoint/2010/main" val="599812020"/>
       </p:ext>
     </p:extLst>
   </p:cSld>
   <p:clrMapOvr>
     <a:masterClrMapping/>
   </p:clrMapOvr>
+  <p:timing>
+    <p:tnLst>
+      <p:par>
+        <p:cTn id="1" dur="indefinite" restart="never" nodeType="tmRoot"/>
+      </p:par>
+    </p:tnLst>
+  </p:timing>
 </p:sld>
 </file>
 
@@ -6829,12 +7795,12 @@
       </p:grpSpPr>
       <p:sp>
         <p:nvSpPr>
-          <p:cNvPr id="4" name="Titel 3"/>
-          <p:cNvSpPr>
-            <a:spLocks noGrp="1"/>
-          </p:cNvSpPr>
-          <p:nvPr>
-            <p:ph type="ctrTitle"/>
+          <p:cNvPr id="2" name="Titel 1"/>
+          <p:cNvSpPr>
+            <a:spLocks noGrp="1"/>
+          </p:cNvSpPr>
+          <p:nvPr>
+            <p:ph type="title"/>
           </p:nvPr>
         </p:nvSpPr>
         <p:spPr/>
@@ -6844,41 +7810,375 @@
           <a:p>
             <a:r>
               <a:rPr lang="de-DE" dirty="0" smtClean="0"/>
-              <a:t>Vielen Dank!</a:t>
+              <a:t>GUI</a:t>
             </a:r>
             <a:endParaRPr lang="de-DE" dirty="0"/>
           </a:p>
         </p:txBody>
       </p:sp>
-      <p:sp>
-        <p:nvSpPr>
-          <p:cNvPr id="5" name="Untertitel 4"/>
-          <p:cNvSpPr>
-            <a:spLocks noGrp="1"/>
-          </p:cNvSpPr>
-          <p:nvPr>
-            <p:ph type="subTitle" idx="1"/>
-          </p:nvPr>
-        </p:nvSpPr>
-        <p:spPr/>
-        <p:txBody>
-          <a:bodyPr/>
-          <a:lstStyle/>
-          <a:p>
-            <a:endParaRPr lang="de-DE"/>
-          </a:p>
-        </p:txBody>
-      </p:sp>
+      <p:pic>
+        <p:nvPicPr>
+          <p:cNvPr id="4" name="Inhaltsplatzhalter 3"/>
+          <p:cNvPicPr>
+            <a:picLocks noGrp="1" noChangeAspect="1"/>
+          </p:cNvPicPr>
+          <p:nvPr>
+            <p:ph idx="1"/>
+          </p:nvPr>
+        </p:nvPicPr>
+        <p:blipFill>
+          <a:blip r:embed="rId2">
+            <a:extLst>
+              <a:ext uri="{28A0092B-C50C-407E-A947-70E740481C1C}">
+                <a14:useLocalDpi xmlns:a14="http://schemas.microsoft.com/office/drawing/2010/main" val="0"/>
+              </a:ext>
+            </a:extLst>
+          </a:blip>
+          <a:stretch>
+            <a:fillRect/>
+          </a:stretch>
+        </p:blipFill>
+        <p:spPr>
+          <a:xfrm>
+            <a:off x="1391124" y="2540685"/>
+            <a:ext cx="8117846" cy="3317875"/>
+          </a:xfrm>
+        </p:spPr>
+      </p:pic>
     </p:spTree>
     <p:extLst>
       <p:ext uri="{BB962C8B-B14F-4D97-AF65-F5344CB8AC3E}">
-        <p14:creationId xmlns:p14="http://schemas.microsoft.com/office/powerpoint/2010/main" val="3718417770"/>
+        <p14:creationId xmlns:p14="http://schemas.microsoft.com/office/powerpoint/2010/main" val="1052611500"/>
       </p:ext>
     </p:extLst>
   </p:cSld>
   <p:clrMapOvr>
     <a:masterClrMapping/>
   </p:clrMapOvr>
+  <p:timing>
+    <p:tnLst>
+      <p:par>
+        <p:cTn id="1" dur="indefinite" restart="never" nodeType="tmRoot"/>
+      </p:par>
+    </p:tnLst>
+  </p:timing>
+</p:sld>
+</file>
+
+<file path=ppt/slides/slide7.xml><?xml version="1.0" encoding="utf-8"?>
+<p:sld xmlns:a="http://schemas.openxmlformats.org/drawingml/2006/main" xmlns:r="http://schemas.openxmlformats.org/officeDocument/2006/relationships" xmlns:p="http://schemas.openxmlformats.org/presentationml/2006/main">
+  <p:cSld>
+    <p:spTree>
+      <p:nvGrpSpPr>
+        <p:cNvPr id="1" name=""/>
+        <p:cNvGrpSpPr/>
+        <p:nvPr/>
+      </p:nvGrpSpPr>
+      <p:grpSpPr>
+        <a:xfrm>
+          <a:off x="0" y="0"/>
+          <a:ext cx="0" cy="0"/>
+          <a:chOff x="0" y="0"/>
+          <a:chExt cx="0" cy="0"/>
+        </a:xfrm>
+      </p:grpSpPr>
+      <p:sp>
+        <p:nvSpPr>
+          <p:cNvPr id="2" name="Titel 1"/>
+          <p:cNvSpPr>
+            <a:spLocks noGrp="1"/>
+          </p:cNvSpPr>
+          <p:nvPr>
+            <p:ph type="title"/>
+          </p:nvPr>
+        </p:nvSpPr>
+        <p:spPr/>
+        <p:txBody>
+          <a:bodyPr/>
+          <a:lstStyle/>
+          <a:p>
+            <a:r>
+              <a:rPr lang="de-DE" dirty="0" smtClean="0"/>
+              <a:t>GUI</a:t>
+            </a:r>
+            <a:endParaRPr lang="de-DE" dirty="0"/>
+          </a:p>
+        </p:txBody>
+      </p:sp>
+      <p:pic>
+        <p:nvPicPr>
+          <p:cNvPr id="4" name="Inhaltsplatzhalter 3"/>
+          <p:cNvPicPr>
+            <a:picLocks noGrp="1" noChangeAspect="1"/>
+          </p:cNvPicPr>
+          <p:nvPr>
+            <p:ph idx="1"/>
+          </p:nvPr>
+        </p:nvPicPr>
+        <p:blipFill>
+          <a:blip r:embed="rId2">
+            <a:extLst>
+              <a:ext uri="{28A0092B-C50C-407E-A947-70E740481C1C}">
+                <a14:useLocalDpi xmlns:a14="http://schemas.microsoft.com/office/drawing/2010/main" val="0"/>
+              </a:ext>
+            </a:extLst>
+          </a:blip>
+          <a:stretch>
+            <a:fillRect/>
+          </a:stretch>
+        </p:blipFill>
+        <p:spPr>
+          <a:xfrm>
+            <a:off x="1390393" y="2639756"/>
+            <a:ext cx="9048750" cy="962025"/>
+          </a:xfrm>
+        </p:spPr>
+      </p:pic>
+    </p:spTree>
+    <p:extLst>
+      <p:ext uri="{BB962C8B-B14F-4D97-AF65-F5344CB8AC3E}">
+        <p14:creationId xmlns:p14="http://schemas.microsoft.com/office/powerpoint/2010/main" val="2196271003"/>
+      </p:ext>
+    </p:extLst>
+  </p:cSld>
+  <p:clrMapOvr>
+    <a:masterClrMapping/>
+  </p:clrMapOvr>
+  <p:timing>
+    <p:tnLst>
+      <p:par>
+        <p:cTn id="1" dur="indefinite" restart="never" nodeType="tmRoot"/>
+      </p:par>
+    </p:tnLst>
+  </p:timing>
+</p:sld>
+</file>
+
+<file path=ppt/slides/slide8.xml><?xml version="1.0" encoding="utf-8"?>
+<p:sld xmlns:a="http://schemas.openxmlformats.org/drawingml/2006/main" xmlns:r="http://schemas.openxmlformats.org/officeDocument/2006/relationships" xmlns:p="http://schemas.openxmlformats.org/presentationml/2006/main">
+  <p:cSld>
+    <p:spTree>
+      <p:nvGrpSpPr>
+        <p:cNvPr id="1" name=""/>
+        <p:cNvGrpSpPr/>
+        <p:nvPr/>
+      </p:nvGrpSpPr>
+      <p:grpSpPr>
+        <a:xfrm>
+          <a:off x="0" y="0"/>
+          <a:ext cx="0" cy="0"/>
+          <a:chOff x="0" y="0"/>
+          <a:chExt cx="0" cy="0"/>
+        </a:xfrm>
+      </p:grpSpPr>
+      <p:sp>
+        <p:nvSpPr>
+          <p:cNvPr id="2" name="Titel 1"/>
+          <p:cNvSpPr>
+            <a:spLocks noGrp="1"/>
+          </p:cNvSpPr>
+          <p:nvPr>
+            <p:ph type="title"/>
+          </p:nvPr>
+        </p:nvSpPr>
+        <p:spPr/>
+        <p:txBody>
+          <a:bodyPr/>
+          <a:lstStyle/>
+          <a:p>
+            <a:r>
+              <a:rPr lang="de-DE" dirty="0" smtClean="0"/>
+              <a:t>GUI</a:t>
+            </a:r>
+            <a:endParaRPr lang="de-DE" dirty="0"/>
+          </a:p>
+        </p:txBody>
+      </p:sp>
+      <p:pic>
+        <p:nvPicPr>
+          <p:cNvPr id="4" name="Inhaltsplatzhalter 3"/>
+          <p:cNvPicPr>
+            <a:picLocks noGrp="1" noChangeAspect="1"/>
+          </p:cNvPicPr>
+          <p:nvPr>
+            <p:ph idx="1"/>
+          </p:nvPr>
+        </p:nvPicPr>
+        <p:blipFill>
+          <a:blip r:embed="rId2">
+            <a:extLst>
+              <a:ext uri="{28A0092B-C50C-407E-A947-70E740481C1C}">
+                <a14:useLocalDpi xmlns:a14="http://schemas.microsoft.com/office/drawing/2010/main" val="0"/>
+              </a:ext>
+            </a:extLst>
+          </a:blip>
+          <a:stretch>
+            <a:fillRect/>
+          </a:stretch>
+        </p:blipFill>
+        <p:spPr>
+          <a:xfrm>
+            <a:off x="1396115" y="2573939"/>
+            <a:ext cx="6500049" cy="3317875"/>
+          </a:xfrm>
+        </p:spPr>
+      </p:pic>
+    </p:spTree>
+    <p:extLst>
+      <p:ext uri="{BB962C8B-B14F-4D97-AF65-F5344CB8AC3E}">
+        <p14:creationId xmlns:p14="http://schemas.microsoft.com/office/powerpoint/2010/main" val="3818670921"/>
+      </p:ext>
+    </p:extLst>
+  </p:cSld>
+  <p:clrMapOvr>
+    <a:masterClrMapping/>
+  </p:clrMapOvr>
+  <p:timing>
+    <p:tnLst>
+      <p:par>
+        <p:cTn id="1" dur="indefinite" restart="never" nodeType="tmRoot"/>
+      </p:par>
+    </p:tnLst>
+  </p:timing>
+</p:sld>
+</file>
+
+<file path=ppt/slides/slide9.xml><?xml version="1.0" encoding="utf-8"?>
+<p:sld xmlns:a="http://schemas.openxmlformats.org/drawingml/2006/main" xmlns:r="http://schemas.openxmlformats.org/officeDocument/2006/relationships" xmlns:p="http://schemas.openxmlformats.org/presentationml/2006/main">
+  <p:cSld>
+    <p:spTree>
+      <p:nvGrpSpPr>
+        <p:cNvPr id="1" name=""/>
+        <p:cNvGrpSpPr/>
+        <p:nvPr/>
+      </p:nvGrpSpPr>
+      <p:grpSpPr>
+        <a:xfrm>
+          <a:off x="0" y="0"/>
+          <a:ext cx="0" cy="0"/>
+          <a:chOff x="0" y="0"/>
+          <a:chExt cx="0" cy="0"/>
+        </a:xfrm>
+      </p:grpSpPr>
+      <p:sp>
+        <p:nvSpPr>
+          <p:cNvPr id="2" name="Titel 1"/>
+          <p:cNvSpPr>
+            <a:spLocks noGrp="1"/>
+          </p:cNvSpPr>
+          <p:nvPr>
+            <p:ph type="title"/>
+          </p:nvPr>
+        </p:nvSpPr>
+        <p:spPr/>
+        <p:txBody>
+          <a:bodyPr/>
+          <a:lstStyle/>
+          <a:p>
+            <a:r>
+              <a:rPr lang="de-DE" dirty="0" smtClean="0"/>
+              <a:t>Server</a:t>
+            </a:r>
+            <a:endParaRPr lang="de-DE" dirty="0"/>
+          </a:p>
+        </p:txBody>
+      </p:sp>
+      <p:sp>
+        <p:nvSpPr>
+          <p:cNvPr id="3" name="Inhaltsplatzhalter 2"/>
+          <p:cNvSpPr>
+            <a:spLocks noGrp="1"/>
+          </p:cNvSpPr>
+          <p:nvPr>
+            <p:ph idx="1"/>
+          </p:nvPr>
+        </p:nvSpPr>
+        <p:spPr/>
+        <p:txBody>
+          <a:bodyPr/>
+          <a:lstStyle/>
+          <a:p>
+            <a:r>
+              <a:rPr lang="de-DE" dirty="0"/>
+              <a:t>2 </a:t>
+            </a:r>
+            <a:r>
+              <a:rPr lang="de-DE" dirty="0" smtClean="0"/>
+              <a:t>Programme (Client </a:t>
+            </a:r>
+            <a:r>
+              <a:rPr lang="de-DE" dirty="0"/>
+              <a:t>+ GUI und Server</a:t>
+            </a:r>
+            <a:r>
+              <a:rPr lang="de-DE" dirty="0" smtClean="0"/>
+              <a:t>)</a:t>
+            </a:r>
+          </a:p>
+          <a:p>
+            <a:r>
+              <a:rPr lang="de-DE" dirty="0" smtClean="0"/>
+              <a:t>Klasse Server</a:t>
+            </a:r>
+          </a:p>
+          <a:p>
+            <a:r>
+              <a:rPr lang="de-DE" dirty="0" err="1" smtClean="0"/>
+              <a:t>ServerSocket</a:t>
+            </a:r>
+            <a:r>
+              <a:rPr lang="de-DE" dirty="0" smtClean="0"/>
+              <a:t> gestartet im eigenen Thread</a:t>
+            </a:r>
+          </a:p>
+          <a:p>
+            <a:r>
+              <a:rPr lang="de-DE" dirty="0" smtClean="0"/>
+              <a:t>Bei einer neuen Verbindung wird Client der Client Liste hinzugefügt</a:t>
+            </a:r>
+          </a:p>
+          <a:p>
+            <a:r>
+              <a:rPr lang="de-DE" dirty="0" smtClean="0"/>
+              <a:t>Klasse </a:t>
+            </a:r>
+            <a:r>
+              <a:rPr lang="de-DE" dirty="0" err="1" smtClean="0"/>
+              <a:t>ThreadClient</a:t>
+            </a:r>
+            <a:endParaRPr lang="de-DE" dirty="0" smtClean="0"/>
+          </a:p>
+          <a:p>
+            <a:r>
+              <a:rPr lang="de-DE" dirty="0" smtClean="0"/>
+              <a:t>Kommunikation zwischen Client und Server wird geregelt</a:t>
+            </a:r>
+          </a:p>
+          <a:p>
+            <a:endParaRPr lang="de-DE" dirty="0" smtClean="0"/>
+          </a:p>
+          <a:p>
+            <a:endParaRPr lang="de-DE" dirty="0"/>
+          </a:p>
+        </p:txBody>
+      </p:sp>
+    </p:spTree>
+    <p:extLst>
+      <p:ext uri="{BB962C8B-B14F-4D97-AF65-F5344CB8AC3E}">
+        <p14:creationId xmlns:p14="http://schemas.microsoft.com/office/powerpoint/2010/main" val="3127708144"/>
+      </p:ext>
+    </p:extLst>
+  </p:cSld>
+  <p:clrMapOvr>
+    <a:masterClrMapping/>
+  </p:clrMapOvr>
+  <p:timing>
+    <p:tnLst>
+      <p:par>
+        <p:cTn id="1" dur="indefinite" restart="never" nodeType="tmRoot"/>
+      </p:par>
+    </p:tnLst>
+  </p:timing>
 </p:sld>
 </file>
 

--- a/SecondTry Präsentation.pptx
+++ b/SecondTry Präsentation.pptx
@@ -7164,9 +7164,39 @@
         </p:blipFill>
         <p:spPr>
           <a:xfrm>
-            <a:off x="1397858" y="2578203"/>
+            <a:off x="5190336" y="2586592"/>
             <a:ext cx="6134100" cy="2567940"/>
           </a:xfrm>
+        </p:spPr>
+      </p:pic>
+      <p:pic>
+        <p:nvPicPr>
+          <p:cNvPr id="3" name="Grafik 2"/>
+          <p:cNvPicPr>
+            <a:picLocks noChangeAspect="1"/>
+          </p:cNvPicPr>
+          <p:nvPr/>
+        </p:nvPicPr>
+        <p:blipFill>
+          <a:blip r:embed="rId3">
+            <a:extLst>
+              <a:ext uri="{28A0092B-C50C-407E-A947-70E740481C1C}">
+                <a14:useLocalDpi xmlns:a14="http://schemas.microsoft.com/office/drawing/2010/main" val="0"/>
+              </a:ext>
+            </a:extLst>
+          </a:blip>
+          <a:stretch>
+            <a:fillRect/>
+          </a:stretch>
+        </p:blipFill>
+        <p:spPr>
+          <a:xfrm>
+            <a:off x="1412424" y="2586592"/>
+            <a:ext cx="3654527" cy="3115249"/>
+          </a:xfrm>
+          <a:prstGeom prst="rect">
+            <a:avLst/>
+          </a:prstGeom>
         </p:spPr>
       </p:pic>
     </p:spTree>
@@ -7253,9 +7283,39 @@
         </p:blipFill>
         <p:spPr>
           <a:xfrm>
-            <a:off x="1388732" y="2508036"/>
+            <a:off x="5516115" y="2541592"/>
             <a:ext cx="5811250" cy="3686818"/>
           </a:xfrm>
+        </p:spPr>
+      </p:pic>
+      <p:pic>
+        <p:nvPicPr>
+          <p:cNvPr id="3" name="Grafik 2"/>
+          <p:cNvPicPr>
+            <a:picLocks noChangeAspect="1"/>
+          </p:cNvPicPr>
+          <p:nvPr/>
+        </p:nvPicPr>
+        <p:blipFill>
+          <a:blip r:embed="rId3">
+            <a:extLst>
+              <a:ext uri="{28A0092B-C50C-407E-A947-70E740481C1C}">
+                <a14:useLocalDpi xmlns:a14="http://schemas.microsoft.com/office/drawing/2010/main" val="0"/>
+              </a:ext>
+            </a:extLst>
+          </a:blip>
+          <a:stretch>
+            <a:fillRect/>
+          </a:stretch>
+        </p:blipFill>
+        <p:spPr>
+          <a:xfrm>
+            <a:off x="1401486" y="2541591"/>
+            <a:ext cx="3975857" cy="3314387"/>
+          </a:xfrm>
+          <a:prstGeom prst="rect">
+            <a:avLst/>
+          </a:prstGeom>
         </p:spPr>
       </p:pic>
     </p:spTree>

--- a/SecondTry Präsentation.pptx
+++ b/SecondTry Präsentation.pptx
@@ -7789,7 +7789,7 @@
       </p:sp>
       <p:pic>
         <p:nvPicPr>
-          <p:cNvPr id="4" name="Inhaltsplatzhalter 3"/>
+          <p:cNvPr id="7" name="Inhaltsplatzhalter 6"/>
           <p:cNvPicPr>
             <a:picLocks noGrp="1" noChangeAspect="1"/>
           </p:cNvPicPr>
@@ -7811,8 +7811,8 @@
         </p:blipFill>
         <p:spPr>
           <a:xfrm>
-            <a:off x="1379857" y="2550793"/>
-            <a:ext cx="8677275" cy="428625"/>
+            <a:off x="1389621" y="2546693"/>
+            <a:ext cx="9182100" cy="2400300"/>
           </a:xfrm>
         </p:spPr>
       </p:pic>
@@ -7878,7 +7878,7 @@
       </p:sp>
       <p:pic>
         <p:nvPicPr>
-          <p:cNvPr id="4" name="Inhaltsplatzhalter 3"/>
+          <p:cNvPr id="5" name="Inhaltsplatzhalter 4"/>
           <p:cNvPicPr>
             <a:picLocks noGrp="1" noChangeAspect="1"/>
           </p:cNvPicPr>
@@ -7900,8 +7900,8 @@
         </p:blipFill>
         <p:spPr>
           <a:xfrm>
-            <a:off x="1391124" y="2540685"/>
-            <a:ext cx="8117846" cy="3317875"/>
+            <a:off x="1383570" y="2613369"/>
+            <a:ext cx="9210675" cy="2876550"/>
           </a:xfrm>
         </p:spPr>
       </p:pic>
